--- a/2019/misc/intro.pptx
+++ b/2019/misc/intro.pptx
@@ -126,6 +126,22 @@
       </a:defRPr>
     </a:lvl9pPr>
   </p:defaultTextStyle>
+  <p:extLst>
+    <p:ext uri="{EFAFB233-063F-42B5-8137-9DF3F51BA10A}">
+      <p15:sldGuideLst xmlns:p15="http://schemas.microsoft.com/office/powerpoint/2012/main">
+        <p15:guide id="1" orient="horz" pos="3072">
+          <p15:clr>
+            <a:srgbClr val="A4A3A4"/>
+          </p15:clr>
+        </p15:guide>
+        <p15:guide id="2" pos="4096">
+          <p15:clr>
+            <a:srgbClr val="A4A3A4"/>
+          </p15:clr>
+        </p15:guide>
+      </p15:sldGuideLst>
+    </p:ext>
+  </p:extLst>
 </p:presentation>
 </file>
 
@@ -729,7 +745,7 @@
   <p:clrMapOvr>
     <a:masterClrMapping/>
   </p:clrMapOvr>
-  <p:transition xmlns:p14="http://schemas.microsoft.com/office/powerpoint/2010/main" spd="med"/>
+  <p:transition spd="med"/>
 </p:sldLayout>
 </file>
 
@@ -755,7 +771,7 @@
   <p:clrMapOvr>
     <a:masterClrMapping/>
   </p:clrMapOvr>
-  <p:transition xmlns:p14="http://schemas.microsoft.com/office/powerpoint/2010/main" spd="med"/>
+  <p:transition spd="med"/>
 </p:sldLayout>
 </file>
 
@@ -781,7 +797,7 @@
   <p:clrMapOvr>
     <a:masterClrMapping/>
   </p:clrMapOvr>
-  <p:transition xmlns:p14="http://schemas.microsoft.com/office/powerpoint/2010/main" spd="med"/>
+  <p:transition spd="med"/>
 </p:sldLayout>
 </file>
 
@@ -815,7 +831,7 @@
   <p:clrMapOvr>
     <a:masterClrMapping/>
   </p:clrMapOvr>
-  <p:transition xmlns:p14="http://schemas.microsoft.com/office/powerpoint/2010/main" spd="med"/>
+  <p:transition spd="med"/>
 </p:sldLayout>
 </file>
 
@@ -1047,7 +1063,7 @@
   <p:clrMapOvr>
     <a:masterClrMapping/>
   </p:clrMapOvr>
-  <p:transition xmlns:p14="http://schemas.microsoft.com/office/powerpoint/2010/main" spd="med"/>
+  <p:transition spd="med"/>
 </p:sldLayout>
 </file>
 
@@ -1114,7 +1130,7 @@
   <p:clrMapOvr>
     <a:masterClrMapping/>
   </p:clrMapOvr>
-  <p:transition xmlns:p14="http://schemas.microsoft.com/office/powerpoint/2010/main" spd="med"/>
+  <p:transition spd="med"/>
 </p:sldLayout>
 </file>
 
@@ -1346,7 +1362,7 @@
   <p:clrMapOvr>
     <a:masterClrMapping/>
   </p:clrMapOvr>
-  <p:transition xmlns:p14="http://schemas.microsoft.com/office/powerpoint/2010/main" spd="med"/>
+  <p:transition spd="med"/>
 </p:sldLayout>
 </file>
 
@@ -1409,7 +1425,7 @@
   <p:clrMapOvr>
     <a:masterClrMapping/>
   </p:clrMapOvr>
-  <p:transition xmlns:p14="http://schemas.microsoft.com/office/powerpoint/2010/main" spd="med"/>
+  <p:transition spd="med"/>
 </p:sldLayout>
 </file>
 
@@ -1577,7 +1593,7 @@
   <p:clrMapOvr>
     <a:masterClrMapping/>
   </p:clrMapOvr>
-  <p:transition xmlns:p14="http://schemas.microsoft.com/office/powerpoint/2010/main" spd="med"/>
+  <p:transition spd="med"/>
 </p:sldLayout>
 </file>
 
@@ -1795,7 +1811,7 @@
   <p:clrMapOvr>
     <a:masterClrMapping/>
   </p:clrMapOvr>
-  <p:transition xmlns:p14="http://schemas.microsoft.com/office/powerpoint/2010/main" spd="med"/>
+  <p:transition spd="med"/>
 </p:sldLayout>
 </file>
 
@@ -1930,7 +1946,7 @@
   <p:clrMapOvr>
     <a:masterClrMapping/>
   </p:clrMapOvr>
-  <p:transition xmlns:p14="http://schemas.microsoft.com/office/powerpoint/2010/main" spd="med"/>
+  <p:transition spd="med"/>
 </p:sldLayout>
 </file>
 
@@ -1956,7 +1972,7 @@
   <p:clrMapOvr>
     <a:masterClrMapping/>
   </p:clrMapOvr>
-  <p:transition xmlns:p14="http://schemas.microsoft.com/office/powerpoint/2010/main" spd="med"/>
+  <p:transition spd="med"/>
 </p:sldLayout>
 </file>
 
@@ -2012,7 +2028,7 @@
           </a:ln>
           <a:extLst>
             <a:ext uri="{C572A759-6A51-4108-AA02-DFA0A04FC94B}">
-              <ma14:wrappingTextBoxFlag xmlns:ma14="http://schemas.microsoft.com/office/mac/drawingml/2011/main" val="1"/>
+              <ma14:wrappingTextBoxFlag xmlns:ma14="http://schemas.microsoft.com/office/mac/drawingml/2011/main" xmlns="" val="1"/>
             </a:ext>
           </a:extLst>
         </p:spPr>
@@ -2063,7 +2079,7 @@
           </a:ln>
           <a:extLst>
             <a:ext uri="{C572A759-6A51-4108-AA02-DFA0A04FC94B}">
-              <ma14:wrappingTextBoxFlag xmlns:ma14="http://schemas.microsoft.com/office/mac/drawingml/2011/main" val="1"/>
+              <ma14:wrappingTextBoxFlag xmlns:ma14="http://schemas.microsoft.com/office/mac/drawingml/2011/main" xmlns="" val="1"/>
             </a:ext>
           </a:extLst>
         </p:spPr>
@@ -2176,7 +2192,7 @@
     <p:sldLayoutId id="2147483660" r:id="rId11"/>
     <p:sldLayoutId id="2147483661" r:id="rId12"/>
   </p:sldLayoutIdLst>
-  <p:transition xmlns:p14="http://schemas.microsoft.com/office/powerpoint/2010/main" spd="med"/>
+  <p:transition spd="med"/>
   <p:txStyles>
     <p:titleStyle>
       <a:lvl1pPr algn="ctr" defTabSz="584200">
@@ -2701,7 +2717,7 @@
                   <a:srgbClr val="535353"/>
                 </a:solidFill>
               </a:rPr>
-              <a:t>18</a:t>
+              <a:t>19</a:t>
             </a:r>
             <a:endParaRPr sz="3800" dirty="0">
               <a:solidFill>
@@ -2716,11 +2732,11 @@
   <p:clrMapOvr>
     <a:masterClrMapping/>
   </p:clrMapOvr>
-  <p:transition xmlns:p14="http://schemas.microsoft.com/office/powerpoint/2010/main" spd="med"/>
+  <p:transition spd="med"/>
   <p:timing>
     <p:tnLst>
       <p:par>
-        <p:cTn xmlns:p14="http://schemas.microsoft.com/office/powerpoint/2010/main" id="1" dur="indefinite" restart="never" nodeType="tmRoot"/>
+        <p:cTn id="1" dur="indefinite" restart="never" nodeType="tmRoot"/>
       </p:par>
     </p:tnLst>
   </p:timing>
@@ -2981,11 +2997,11 @@
   <p:clrMapOvr>
     <a:masterClrMapping/>
   </p:clrMapOvr>
-  <p:transition xmlns:p14="http://schemas.microsoft.com/office/powerpoint/2010/main" spd="med"/>
+  <p:transition spd="med"/>
   <p:timing>
     <p:tnLst>
       <p:par>
-        <p:cTn xmlns:p14="http://schemas.microsoft.com/office/powerpoint/2010/main" id="1" dur="indefinite" restart="never" nodeType="tmRoot"/>
+        <p:cTn id="1" dur="indefinite" restart="never" nodeType="tmRoot"/>
       </p:par>
     </p:tnLst>
   </p:timing>
@@ -3090,11 +3106,11 @@
   <p:clrMapOvr>
     <a:masterClrMapping/>
   </p:clrMapOvr>
-  <p:transition xmlns:p14="http://schemas.microsoft.com/office/powerpoint/2010/main" spd="med"/>
+  <p:transition spd="med"/>
   <p:timing>
     <p:tnLst>
       <p:par>
-        <p:cTn xmlns:p14="http://schemas.microsoft.com/office/powerpoint/2010/main" id="1" dur="indefinite" restart="never" nodeType="tmRoot"/>
+        <p:cTn id="1" dur="indefinite" restart="never" nodeType="tmRoot"/>
       </p:par>
     </p:tnLst>
   </p:timing>
@@ -3174,11 +3190,11 @@
   <p:clrMapOvr>
     <a:masterClrMapping/>
   </p:clrMapOvr>
-  <p:transition xmlns:p14="http://schemas.microsoft.com/office/powerpoint/2010/main" spd="med"/>
+  <p:transition spd="med"/>
   <p:timing>
     <p:tnLst>
       <p:par>
-        <p:cTn xmlns:p14="http://schemas.microsoft.com/office/powerpoint/2010/main" id="1" dur="indefinite" restart="never" nodeType="tmRoot"/>
+        <p:cTn id="1" dur="indefinite" restart="never" nodeType="tmRoot"/>
       </p:par>
     </p:tnLst>
   </p:timing>
@@ -3270,11 +3286,11 @@
   <p:clrMapOvr>
     <a:masterClrMapping/>
   </p:clrMapOvr>
-  <p:transition xmlns:p14="http://schemas.microsoft.com/office/powerpoint/2010/main" spd="med"/>
+  <p:transition spd="med"/>
   <p:timing>
     <p:tnLst>
       <p:par>
-        <p:cTn xmlns:p14="http://schemas.microsoft.com/office/powerpoint/2010/main" id="1" dur="indefinite" restart="never" nodeType="tmRoot"/>
+        <p:cTn id="1" dur="indefinite" restart="never" nodeType="tmRoot"/>
       </p:par>
     </p:tnLst>
   </p:timing>
@@ -3480,11 +3496,11 @@
   <p:clrMapOvr>
     <a:masterClrMapping/>
   </p:clrMapOvr>
-  <p:transition xmlns:p14="http://schemas.microsoft.com/office/powerpoint/2010/main" spd="med"/>
+  <p:transition spd="med"/>
   <p:timing>
     <p:tnLst>
       <p:par>
-        <p:cTn xmlns:p14="http://schemas.microsoft.com/office/powerpoint/2010/main" id="1" dur="indefinite" restart="never" nodeType="tmRoot"/>
+        <p:cTn id="1" dur="indefinite" restart="never" nodeType="tmRoot"/>
       </p:par>
     </p:tnLst>
   </p:timing>
@@ -3557,7 +3573,7 @@
           </a:ln>
           <a:extLst>
             <a:ext uri="{C572A759-6A51-4108-AA02-DFA0A04FC94B}">
-              <ma14:wrappingTextBoxFlag xmlns:ma14="http://schemas.microsoft.com/office/mac/drawingml/2011/main" val="1"/>
+              <ma14:wrappingTextBoxFlag xmlns:ma14="http://schemas.microsoft.com/office/mac/drawingml/2011/main" xmlns="" val="1"/>
             </a:ext>
           </a:extLst>
         </p:spPr>
@@ -3681,11 +3697,11 @@
   <p:clrMapOvr>
     <a:masterClrMapping/>
   </p:clrMapOvr>
-  <p:transition xmlns:p14="http://schemas.microsoft.com/office/powerpoint/2010/main" spd="med"/>
+  <p:transition spd="med"/>
   <p:timing>
     <p:tnLst>
       <p:par>
-        <p:cTn xmlns:p14="http://schemas.microsoft.com/office/powerpoint/2010/main" id="1" dur="indefinite" restart="never" nodeType="tmRoot"/>
+        <p:cTn id="1" dur="indefinite" restart="never" nodeType="tmRoot"/>
       </p:par>
     </p:tnLst>
   </p:timing>
@@ -3752,7 +3768,7 @@
           </a:ln>
           <a:extLst>
             <a:ext uri="{C572A759-6A51-4108-AA02-DFA0A04FC94B}">
-              <ma14:wrappingTextBoxFlag xmlns:ma14="http://schemas.microsoft.com/office/mac/drawingml/2011/main" val="1"/>
+              <ma14:wrappingTextBoxFlag xmlns:ma14="http://schemas.microsoft.com/office/mac/drawingml/2011/main" xmlns="" val="1"/>
             </a:ext>
           </a:extLst>
         </p:spPr>
@@ -3881,11 +3897,11 @@
   <p:clrMapOvr>
     <a:masterClrMapping/>
   </p:clrMapOvr>
-  <p:transition xmlns:p14="http://schemas.microsoft.com/office/powerpoint/2010/main" spd="med"/>
+  <p:transition spd="med"/>
   <p:timing>
     <p:tnLst>
       <p:par>
-        <p:cTn xmlns:p14="http://schemas.microsoft.com/office/powerpoint/2010/main" id="1" dur="indefinite" restart="never" nodeType="tmRoot"/>
+        <p:cTn id="1" dur="indefinite" restart="never" nodeType="tmRoot"/>
       </p:par>
     </p:tnLst>
   </p:timing>
@@ -3958,7 +3974,7 @@
           </a:ln>
           <a:extLst>
             <a:ext uri="{C572A759-6A51-4108-AA02-DFA0A04FC94B}">
-              <ma14:wrappingTextBoxFlag xmlns:ma14="http://schemas.microsoft.com/office/mac/drawingml/2011/main" val="1"/>
+              <ma14:wrappingTextBoxFlag xmlns:ma14="http://schemas.microsoft.com/office/mac/drawingml/2011/main" xmlns="" val="1"/>
             </a:ext>
           </a:extLst>
         </p:spPr>
@@ -4111,11 +4127,11 @@
   <p:clrMapOvr>
     <a:masterClrMapping/>
   </p:clrMapOvr>
-  <p:transition xmlns:p14="http://schemas.microsoft.com/office/powerpoint/2010/main" spd="med"/>
+  <p:transition spd="med"/>
   <p:timing>
     <p:tnLst>
       <p:par>
-        <p:cTn xmlns:p14="http://schemas.microsoft.com/office/powerpoint/2010/main" id="1" dur="indefinite" restart="never" nodeType="tmRoot"/>
+        <p:cTn id="1" dur="indefinite" restart="never" nodeType="tmRoot"/>
       </p:par>
     </p:tnLst>
   </p:timing>
@@ -4193,7 +4209,7 @@
         </p:spPr>
         <p:txBody>
           <a:bodyPr>
-            <a:normAutofit lnSpcReduction="10000"/>
+            <a:normAutofit/>
           </a:bodyPr>
           <a:lstStyle/>
           <a:p>
@@ -4305,11 +4321,11 @@
   <p:clrMapOvr>
     <a:masterClrMapping/>
   </p:clrMapOvr>
-  <p:transition xmlns:p14="http://schemas.microsoft.com/office/powerpoint/2010/main" spd="med"/>
+  <p:transition spd="med"/>
   <p:timing>
     <p:tnLst>
       <p:par>
-        <p:cTn xmlns:p14="http://schemas.microsoft.com/office/powerpoint/2010/main" id="1" dur="indefinite" restart="never" nodeType="tmRoot"/>
+        <p:cTn id="1" dur="indefinite" restart="never" nodeType="tmRoot"/>
       </p:par>
     </p:tnLst>
   </p:timing>
@@ -4368,7 +4384,9 @@
         </p:nvSpPr>
         <p:spPr/>
         <p:txBody>
-          <a:bodyPr/>
+          <a:bodyPr>
+            <a:normAutofit lnSpcReduction="10000"/>
+          </a:bodyPr>
           <a:lstStyle/>
           <a:p>
             <a:r>
@@ -4413,11 +4431,11 @@
   <p:clrMapOvr>
     <a:masterClrMapping/>
   </p:clrMapOvr>
-  <p:transition xmlns:p14="http://schemas.microsoft.com/office/powerpoint/2010/main" spd="med"/>
+  <p:transition spd="med"/>
   <p:timing>
     <p:tnLst>
       <p:par>
-        <p:cTn xmlns:p14="http://schemas.microsoft.com/office/powerpoint/2010/main" id="1" dur="indefinite" restart="never" nodeType="tmRoot"/>
+        <p:cTn id="1" dur="indefinite" restart="never" nodeType="tmRoot"/>
       </p:par>
     </p:tnLst>
   </p:timing>
@@ -4595,11 +4613,11 @@
   <p:clrMapOvr>
     <a:masterClrMapping/>
   </p:clrMapOvr>
-  <p:transition xmlns:p14="http://schemas.microsoft.com/office/powerpoint/2010/main" spd="med"/>
+  <p:transition spd="med"/>
   <p:timing>
     <p:tnLst>
       <p:par>
-        <p:cTn xmlns:p14="http://schemas.microsoft.com/office/powerpoint/2010/main" id="1" dur="indefinite" restart="never" nodeType="tmRoot"/>
+        <p:cTn id="1" dur="indefinite" restart="never" nodeType="tmRoot"/>
       </p:par>
     </p:tnLst>
   </p:timing>
@@ -4711,11 +4729,11 @@
   <p:clrMapOvr>
     <a:masterClrMapping/>
   </p:clrMapOvr>
-  <p:transition xmlns:p14="http://schemas.microsoft.com/office/powerpoint/2010/main" spd="med"/>
+  <p:transition spd="med"/>
   <p:timing>
     <p:tnLst>
       <p:par>
-        <p:cTn xmlns:p14="http://schemas.microsoft.com/office/powerpoint/2010/main" id="1" dur="indefinite" restart="never" nodeType="tmRoot"/>
+        <p:cTn id="1" dur="indefinite" restart="never" nodeType="tmRoot"/>
       </p:par>
     </p:tnLst>
   </p:timing>
@@ -4881,11 +4899,11 @@
   <p:clrMapOvr>
     <a:masterClrMapping/>
   </p:clrMapOvr>
-  <p:transition xmlns:p14="http://schemas.microsoft.com/office/powerpoint/2010/main" spd="med"/>
+  <p:transition spd="med"/>
   <p:timing>
     <p:tnLst>
       <p:par>
-        <p:cTn xmlns:p14="http://schemas.microsoft.com/office/powerpoint/2010/main" id="1" dur="indefinite" restart="never" nodeType="tmRoot"/>
+        <p:cTn id="1" dur="indefinite" restart="never" nodeType="tmRoot"/>
       </p:par>
     </p:tnLst>
   </p:timing>

--- a/2019/misc/intro.pptx
+++ b/2019/misc/intro.pptx
@@ -5,7 +5,7 @@
     <p:sldMasterId id="2147483648" r:id="rId1"/>
   </p:sldMasterIdLst>
   <p:notesMasterIdLst>
-    <p:notesMasterId r:id="rId16"/>
+    <p:notesMasterId r:id="rId17"/>
   </p:notesMasterIdLst>
   <p:sldIdLst>
     <p:sldId id="256" r:id="rId2"/>
@@ -15,13 +15,14 @@
     <p:sldId id="259" r:id="rId6"/>
     <p:sldId id="274" r:id="rId7"/>
     <p:sldId id="260" r:id="rId8"/>
-    <p:sldId id="264" r:id="rId9"/>
-    <p:sldId id="261" r:id="rId10"/>
-    <p:sldId id="267" r:id="rId11"/>
-    <p:sldId id="269" r:id="rId12"/>
-    <p:sldId id="263" r:id="rId13"/>
-    <p:sldId id="265" r:id="rId14"/>
-    <p:sldId id="262" r:id="rId15"/>
+    <p:sldId id="261" r:id="rId9"/>
+    <p:sldId id="267" r:id="rId10"/>
+    <p:sldId id="269" r:id="rId11"/>
+    <p:sldId id="263" r:id="rId12"/>
+    <p:sldId id="275" r:id="rId13"/>
+    <p:sldId id="276" r:id="rId14"/>
+    <p:sldId id="277" r:id="rId15"/>
+    <p:sldId id="262" r:id="rId16"/>
   </p:sldIdLst>
   <p:sldSz cx="13004800" cy="9753600"/>
   <p:notesSz cx="6858000" cy="9144000"/>
@@ -128,7 +129,7 @@
   </p:defaultTextStyle>
   <p:extLst>
     <p:ext uri="{EFAFB233-063F-42B5-8137-9DF3F51BA10A}">
-      <p15:sldGuideLst xmlns:p15="http://schemas.microsoft.com/office/powerpoint/2012/main">
+      <p15:sldGuideLst xmlns="" xmlns:p15="http://schemas.microsoft.com/office/powerpoint/2012/main">
         <p15:guide id="1" orient="horz" pos="3072">
           <p15:clr>
             <a:srgbClr val="A4A3A4"/>
@@ -745,7 +746,7 @@
   <p:clrMapOvr>
     <a:masterClrMapping/>
   </p:clrMapOvr>
-  <p:transition spd="med"/>
+  <p:transition xmlns:p14="http://schemas.microsoft.com/office/powerpoint/2010/main" spd="med"/>
 </p:sldLayout>
 </file>
 
@@ -771,7 +772,7 @@
   <p:clrMapOvr>
     <a:masterClrMapping/>
   </p:clrMapOvr>
-  <p:transition spd="med"/>
+  <p:transition xmlns:p14="http://schemas.microsoft.com/office/powerpoint/2010/main" spd="med"/>
 </p:sldLayout>
 </file>
 
@@ -797,7 +798,7 @@
   <p:clrMapOvr>
     <a:masterClrMapping/>
   </p:clrMapOvr>
-  <p:transition spd="med"/>
+  <p:transition xmlns:p14="http://schemas.microsoft.com/office/powerpoint/2010/main" spd="med"/>
 </p:sldLayout>
 </file>
 
@@ -831,7 +832,7 @@
   <p:clrMapOvr>
     <a:masterClrMapping/>
   </p:clrMapOvr>
-  <p:transition spd="med"/>
+  <p:transition xmlns:p14="http://schemas.microsoft.com/office/powerpoint/2010/main" spd="med"/>
 </p:sldLayout>
 </file>
 
@@ -1063,7 +1064,7 @@
   <p:clrMapOvr>
     <a:masterClrMapping/>
   </p:clrMapOvr>
-  <p:transition spd="med"/>
+  <p:transition xmlns:p14="http://schemas.microsoft.com/office/powerpoint/2010/main" spd="med"/>
 </p:sldLayout>
 </file>
 
@@ -1130,7 +1131,7 @@
   <p:clrMapOvr>
     <a:masterClrMapping/>
   </p:clrMapOvr>
-  <p:transition spd="med"/>
+  <p:transition xmlns:p14="http://schemas.microsoft.com/office/powerpoint/2010/main" spd="med"/>
 </p:sldLayout>
 </file>
 
@@ -1362,7 +1363,7 @@
   <p:clrMapOvr>
     <a:masterClrMapping/>
   </p:clrMapOvr>
-  <p:transition spd="med"/>
+  <p:transition xmlns:p14="http://schemas.microsoft.com/office/powerpoint/2010/main" spd="med"/>
 </p:sldLayout>
 </file>
 
@@ -1425,7 +1426,7 @@
   <p:clrMapOvr>
     <a:masterClrMapping/>
   </p:clrMapOvr>
-  <p:transition spd="med"/>
+  <p:transition xmlns:p14="http://schemas.microsoft.com/office/powerpoint/2010/main" spd="med"/>
 </p:sldLayout>
 </file>
 
@@ -1593,7 +1594,7 @@
   <p:clrMapOvr>
     <a:masterClrMapping/>
   </p:clrMapOvr>
-  <p:transition spd="med"/>
+  <p:transition xmlns:p14="http://schemas.microsoft.com/office/powerpoint/2010/main" spd="med"/>
 </p:sldLayout>
 </file>
 
@@ -1811,7 +1812,7 @@
   <p:clrMapOvr>
     <a:masterClrMapping/>
   </p:clrMapOvr>
-  <p:transition spd="med"/>
+  <p:transition xmlns:p14="http://schemas.microsoft.com/office/powerpoint/2010/main" spd="med"/>
 </p:sldLayout>
 </file>
 
@@ -1946,7 +1947,7 @@
   <p:clrMapOvr>
     <a:masterClrMapping/>
   </p:clrMapOvr>
-  <p:transition spd="med"/>
+  <p:transition xmlns:p14="http://schemas.microsoft.com/office/powerpoint/2010/main" spd="med"/>
 </p:sldLayout>
 </file>
 
@@ -1972,7 +1973,7 @@
   <p:clrMapOvr>
     <a:masterClrMapping/>
   </p:clrMapOvr>
-  <p:transition spd="med"/>
+  <p:transition xmlns:p14="http://schemas.microsoft.com/office/powerpoint/2010/main" spd="med"/>
 </p:sldLayout>
 </file>
 
@@ -2028,7 +2029,7 @@
           </a:ln>
           <a:extLst>
             <a:ext uri="{C572A759-6A51-4108-AA02-DFA0A04FC94B}">
-              <ma14:wrappingTextBoxFlag xmlns:ma14="http://schemas.microsoft.com/office/mac/drawingml/2011/main" xmlns="" val="1"/>
+              <ma14:wrappingTextBoxFlag xmlns:ma14="http://schemas.microsoft.com/office/mac/drawingml/2011/main" val="1"/>
             </a:ext>
           </a:extLst>
         </p:spPr>
@@ -2079,7 +2080,7 @@
           </a:ln>
           <a:extLst>
             <a:ext uri="{C572A759-6A51-4108-AA02-DFA0A04FC94B}">
-              <ma14:wrappingTextBoxFlag xmlns:ma14="http://schemas.microsoft.com/office/mac/drawingml/2011/main" xmlns="" val="1"/>
+              <ma14:wrappingTextBoxFlag xmlns:ma14="http://schemas.microsoft.com/office/mac/drawingml/2011/main" val="1"/>
             </a:ext>
           </a:extLst>
         </p:spPr>
@@ -2192,7 +2193,7 @@
     <p:sldLayoutId id="2147483660" r:id="rId11"/>
     <p:sldLayoutId id="2147483661" r:id="rId12"/>
   </p:sldLayoutIdLst>
-  <p:transition spd="med"/>
+  <p:transition xmlns:p14="http://schemas.microsoft.com/office/powerpoint/2010/main" spd="med"/>
   <p:txStyles>
     <p:titleStyle>
       <a:lvl1pPr algn="ctr" defTabSz="584200">
@@ -2655,7 +2656,7 @@
                   <a:srgbClr val="000000"/>
                 </a:solidFill>
               </a:rPr>
-              <a:t>Now with Python!</a:t>
+              <a:t>Now with 50% more Python!</a:t>
             </a:r>
             <a:endParaRPr sz="3500" cap="all" dirty="0">
               <a:solidFill>
@@ -2732,11 +2733,11 @@
   <p:clrMapOvr>
     <a:masterClrMapping/>
   </p:clrMapOvr>
-  <p:transition spd="med"/>
+  <p:transition xmlns:p14="http://schemas.microsoft.com/office/powerpoint/2010/main" spd="med"/>
   <p:timing>
     <p:tnLst>
       <p:par>
-        <p:cTn id="1" dur="indefinite" restart="never" nodeType="tmRoot"/>
+        <p:cTn xmlns:p14="http://schemas.microsoft.com/office/powerpoint/2010/main" id="1" dur="indefinite" restart="never" nodeType="tmRoot"/>
       </p:par>
     </p:tnLst>
   </p:timing>
@@ -2762,7 +2763,7 @@
       </p:grpSpPr>
       <p:sp>
         <p:nvSpPr>
-          <p:cNvPr id="50" name="Shape 50"/>
+          <p:cNvPr id="2" name="Title 1"/>
           <p:cNvSpPr>
             <a:spLocks noGrp="1"/>
           </p:cNvSpPr>
@@ -2770,41 +2771,22 @@
             <p:ph type="title"/>
           </p:nvPr>
         </p:nvSpPr>
-        <p:spPr>
-          <a:prstGeom prst="rect">
-            <a:avLst/>
-          </a:prstGeom>
-        </p:spPr>
+        <p:spPr/>
         <p:txBody>
           <a:bodyPr/>
           <a:lstStyle/>
           <a:p>
-            <a:pPr lvl="0">
-              <a:defRPr sz="1800" cap="none">
-                <a:solidFill>
-                  <a:srgbClr val="000000"/>
-                </a:solidFill>
-              </a:defRPr>
-            </a:pPr>
-            <a:r>
-              <a:rPr lang="en-US" sz="7200" cap="all" dirty="0" smtClean="0">
-                <a:solidFill>
-                  <a:srgbClr val="535353"/>
-                </a:solidFill>
-              </a:rPr>
-              <a:t>Post-it Notes</a:t>
-            </a:r>
-            <a:endParaRPr sz="7200" cap="all" dirty="0">
-              <a:solidFill>
-                <a:srgbClr val="535353"/>
-              </a:solidFill>
-            </a:endParaRPr>
+            <a:r>
+              <a:rPr lang="en-US" dirty="0" smtClean="0"/>
+              <a:t>slack</a:t>
+            </a:r>
+            <a:endParaRPr lang="en-US" dirty="0"/>
           </a:p>
         </p:txBody>
       </p:sp>
       <p:sp>
         <p:nvSpPr>
-          <p:cNvPr id="51" name="Shape 51"/>
+          <p:cNvPr id="3" name="Text Placeholder 2"/>
           <p:cNvSpPr>
             <a:spLocks noGrp="1"/>
           </p:cNvSpPr>
@@ -2812,196 +2794,59 @@
             <p:ph type="body" idx="1"/>
           </p:nvPr>
         </p:nvSpPr>
-        <p:spPr>
-          <a:prstGeom prst="rect">
-            <a:avLst/>
-          </a:prstGeom>
-        </p:spPr>
+        <p:spPr/>
         <p:txBody>
-          <a:bodyPr>
-            <a:noAutofit/>
-          </a:bodyPr>
+          <a:bodyPr/>
           <a:lstStyle/>
           <a:p>
-            <a:pPr lvl="0">
-              <a:lnSpc>
-                <a:spcPct val="90000"/>
-              </a:lnSpc>
-              <a:defRPr sz="1800">
-                <a:solidFill>
-                  <a:srgbClr val="000000"/>
-                </a:solidFill>
-              </a:defRPr>
-            </a:pPr>
-            <a:r>
-              <a:rPr lang="en-US" sz="3600" dirty="0" smtClean="0">
-                <a:solidFill>
-                  <a:schemeClr val="tx1">
-                    <a:lumMod val="50000"/>
-                  </a:schemeClr>
-                </a:solidFill>
-              </a:rPr>
-              <a:t>All have three colors: Green, Red, White</a:t>
-            </a:r>
-            <a:endParaRPr sz="3600" dirty="0">
-              <a:solidFill>
-                <a:schemeClr val="tx1">
-                  <a:lumMod val="50000"/>
-                </a:schemeClr>
-              </a:solidFill>
-            </a:endParaRPr>
-          </a:p>
-          <a:p>
-            <a:pPr lvl="0">
-              <a:lnSpc>
-                <a:spcPct val="90000"/>
-              </a:lnSpc>
-              <a:defRPr sz="1800">
-                <a:solidFill>
-                  <a:srgbClr val="000000"/>
-                </a:solidFill>
-              </a:defRPr>
-            </a:pPr>
-            <a:r>
-              <a:rPr lang="en-US" sz="3600" dirty="0" smtClean="0">
-                <a:solidFill>
-                  <a:schemeClr val="tx1">
-                    <a:lumMod val="50000"/>
-                  </a:schemeClr>
-                </a:solidFill>
-              </a:rPr>
-              <a:t>Green: things are good</a:t>
-            </a:r>
-          </a:p>
-          <a:p>
-            <a:pPr lvl="0">
-              <a:lnSpc>
-                <a:spcPct val="90000"/>
-              </a:lnSpc>
-              <a:defRPr sz="1800">
-                <a:solidFill>
-                  <a:srgbClr val="000000"/>
-                </a:solidFill>
-              </a:defRPr>
-            </a:pPr>
-            <a:r>
-              <a:rPr lang="en-US" sz="3600" dirty="0" smtClean="0">
-                <a:solidFill>
-                  <a:schemeClr val="tx1">
-                    <a:lumMod val="50000"/>
-                  </a:schemeClr>
-                </a:solidFill>
-              </a:rPr>
-              <a:t>Red: need help</a:t>
-            </a:r>
-          </a:p>
-          <a:p>
-            <a:pPr lvl="0">
-              <a:lnSpc>
-                <a:spcPct val="90000"/>
-              </a:lnSpc>
-              <a:defRPr sz="1800">
-                <a:solidFill>
-                  <a:srgbClr val="000000"/>
-                </a:solidFill>
-              </a:defRPr>
-            </a:pPr>
-            <a:r>
-              <a:rPr lang="en-US" sz="3600" dirty="0" smtClean="0">
-                <a:solidFill>
-                  <a:schemeClr val="tx1">
-                    <a:lumMod val="50000"/>
-                  </a:schemeClr>
-                </a:solidFill>
-              </a:rPr>
-              <a:t>White: Done</a:t>
-            </a:r>
-          </a:p>
-          <a:p>
-            <a:pPr lvl="0">
-              <a:lnSpc>
-                <a:spcPct val="90000"/>
-              </a:lnSpc>
-              <a:defRPr sz="1800">
-                <a:solidFill>
-                  <a:srgbClr val="000000"/>
-                </a:solidFill>
-              </a:defRPr>
-            </a:pPr>
-            <a:r>
-              <a:rPr lang="en-US" sz="3600" dirty="0" smtClean="0">
-                <a:solidFill>
-                  <a:schemeClr val="tx1">
-                    <a:lumMod val="50000"/>
-                  </a:schemeClr>
-                </a:solidFill>
-              </a:rPr>
-              <a:t>Green and (especially) white offer help to red</a:t>
-            </a:r>
-            <a:endParaRPr sz="3600" dirty="0">
-              <a:solidFill>
-                <a:schemeClr val="tx1">
-                  <a:lumMod val="50000"/>
-                </a:schemeClr>
-              </a:solidFill>
-            </a:endParaRPr>
-          </a:p>
-          <a:p>
-            <a:pPr lvl="0">
-              <a:lnSpc>
-                <a:spcPct val="90000"/>
-              </a:lnSpc>
-              <a:defRPr sz="1800">
-                <a:solidFill>
-                  <a:srgbClr val="000000"/>
-                </a:solidFill>
-              </a:defRPr>
-            </a:pPr>
-            <a:r>
-              <a:rPr lang="en-US" sz="3600" dirty="0" smtClean="0">
-                <a:solidFill>
-                  <a:schemeClr val="tx1">
-                    <a:lumMod val="50000"/>
-                  </a:schemeClr>
-                </a:solidFill>
-              </a:rPr>
-              <a:t>Credit to Miriam Posner and Deb </a:t>
-            </a:r>
-            <a:r>
-              <a:rPr lang="en-US" sz="3600" dirty="0" err="1" smtClean="0">
-                <a:solidFill>
-                  <a:schemeClr val="tx1">
-                    <a:lumMod val="50000"/>
-                  </a:schemeClr>
-                </a:solidFill>
-              </a:rPr>
-              <a:t>Verhoeven</a:t>
-            </a:r>
-            <a:endParaRPr sz="3600" dirty="0">
-              <a:solidFill>
-                <a:schemeClr val="tx1">
-                  <a:lumMod val="50000"/>
-                </a:schemeClr>
-              </a:solidFill>
-            </a:endParaRPr>
+            <a:r>
+              <a:rPr lang="en-US" dirty="0" smtClean="0"/>
+              <a:t>hilt-</a:t>
+            </a:r>
+            <a:r>
+              <a:rPr lang="en-US" dirty="0" err="1" smtClean="0"/>
+              <a:t>institute.slack.com</a:t>
+            </a:r>
+            <a:endParaRPr lang="en-US" dirty="0" smtClean="0"/>
+          </a:p>
+          <a:p>
+            <a:r>
+              <a:rPr lang="en-US" dirty="0" smtClean="0"/>
+              <a:t>Another avenue for asking for help and sharing</a:t>
+            </a:r>
+          </a:p>
+          <a:p>
+            <a:r>
+              <a:rPr lang="en-US" dirty="0" smtClean="0"/>
+              <a:t>/</a:t>
+            </a:r>
+            <a:r>
+              <a:rPr lang="en-US" dirty="0" err="1" smtClean="0"/>
+              <a:t>giphy</a:t>
+            </a:r>
+            <a:r>
+              <a:rPr lang="en-US" dirty="0" smtClean="0"/>
+              <a:t> word</a:t>
+            </a:r>
+            <a:endParaRPr lang="en-US" dirty="0"/>
           </a:p>
         </p:txBody>
       </p:sp>
     </p:spTree>
     <p:extLst>
       <p:ext uri="{BB962C8B-B14F-4D97-AF65-F5344CB8AC3E}">
-        <p14:creationId xmlns:p14="http://schemas.microsoft.com/office/powerpoint/2010/main" val="3725044201"/>
+        <p14:creationId xmlns:p14="http://schemas.microsoft.com/office/powerpoint/2010/main" val="459141670"/>
       </p:ext>
     </p:extLst>
   </p:cSld>
   <p:clrMapOvr>
     <a:masterClrMapping/>
   </p:clrMapOvr>
-  <p:transition spd="med"/>
+  <p:transition xmlns:p14="http://schemas.microsoft.com/office/powerpoint/2010/main" spd="med"/>
   <p:timing>
     <p:tnLst>
       <p:par>
-        <p:cTn id="1" dur="indefinite" restart="never" nodeType="tmRoot"/>
+        <p:cTn xmlns:p14="http://schemas.microsoft.com/office/powerpoint/2010/main" id="1" dur="indefinite" restart="never" nodeType="tmRoot"/>
       </p:par>
     </p:tnLst>
   </p:timing>
@@ -3042,7 +2887,7 @@
           <a:p>
             <a:r>
               <a:rPr lang="en-US" dirty="0" smtClean="0"/>
-              <a:t>slack</a:t>
+              <a:t>Code of conduct</a:t>
             </a:r>
             <a:endParaRPr lang="en-US" dirty="0"/>
           </a:p>
@@ -3065,32 +2910,7 @@
           <a:p>
             <a:r>
               <a:rPr lang="en-US" dirty="0" smtClean="0"/>
-              <a:t>hilt-</a:t>
-            </a:r>
-            <a:r>
-              <a:rPr lang="en-US" dirty="0" err="1" smtClean="0"/>
-              <a:t>institute.slack.com</a:t>
-            </a:r>
-            <a:endParaRPr lang="en-US" dirty="0" smtClean="0"/>
-          </a:p>
-          <a:p>
-            <a:r>
-              <a:rPr lang="en-US" dirty="0" smtClean="0"/>
-              <a:t>Another avenue for asking for help and sharing</a:t>
-            </a:r>
-          </a:p>
-          <a:p>
-            <a:r>
-              <a:rPr lang="en-US" dirty="0" smtClean="0"/>
-              <a:t>/</a:t>
-            </a:r>
-            <a:r>
-              <a:rPr lang="en-US" dirty="0" err="1" smtClean="0"/>
-              <a:t>giphy</a:t>
-            </a:r>
-            <a:r>
-              <a:rPr lang="en-US" dirty="0" smtClean="0"/>
-              <a:t> word</a:t>
+              <a:t>We are dedicated to creating a safe, respectful, and collegial learning environment for the benefit of everyone who attends. </a:t>
             </a:r>
             <a:endParaRPr lang="en-US" dirty="0"/>
           </a:p>
@@ -3099,18 +2919,18 @@
     </p:spTree>
     <p:extLst>
       <p:ext uri="{BB962C8B-B14F-4D97-AF65-F5344CB8AC3E}">
-        <p14:creationId xmlns:p14="http://schemas.microsoft.com/office/powerpoint/2010/main" val="459141670"/>
+        <p14:creationId xmlns:p14="http://schemas.microsoft.com/office/powerpoint/2010/main" val="2729321658"/>
       </p:ext>
     </p:extLst>
   </p:cSld>
   <p:clrMapOvr>
     <a:masterClrMapping/>
   </p:clrMapOvr>
-  <p:transition spd="med"/>
+  <p:transition xmlns:p14="http://schemas.microsoft.com/office/powerpoint/2010/main" spd="med"/>
   <p:timing>
     <p:tnLst>
       <p:par>
-        <p:cTn id="1" dur="indefinite" restart="never" nodeType="tmRoot"/>
+        <p:cTn xmlns:p14="http://schemas.microsoft.com/office/powerpoint/2010/main" id="1" dur="indefinite" restart="never" nodeType="tmRoot"/>
       </p:par>
     </p:tnLst>
   </p:timing>
@@ -3151,7 +2971,7 @@
           <a:p>
             <a:r>
               <a:rPr lang="en-US" dirty="0" smtClean="0"/>
-              <a:t>Code of conduct</a:t>
+              <a:t>Other Important Stuff</a:t>
             </a:r>
             <a:endParaRPr lang="en-US" dirty="0"/>
           </a:p>
@@ -3174,7 +2994,19 @@
           <a:p>
             <a:r>
               <a:rPr lang="en-US" dirty="0" smtClean="0"/>
-              <a:t>We are dedicated to creating a safe, respectful, and collegial learning environment for the benefit of everyone who attends. </a:t>
+              <a:t>Coffee</a:t>
+            </a:r>
+          </a:p>
+          <a:p>
+            <a:r>
+              <a:rPr lang="en-US" dirty="0" smtClean="0"/>
+              <a:t>Lunch</a:t>
+            </a:r>
+          </a:p>
+          <a:p>
+            <a:r>
+              <a:rPr lang="en-US" dirty="0" smtClean="0"/>
+              <a:t>Supper</a:t>
             </a:r>
             <a:endParaRPr lang="en-US" dirty="0"/>
           </a:p>
@@ -3183,18 +3015,18 @@
     </p:spTree>
     <p:extLst>
       <p:ext uri="{BB962C8B-B14F-4D97-AF65-F5344CB8AC3E}">
-        <p14:creationId xmlns:p14="http://schemas.microsoft.com/office/powerpoint/2010/main" val="2729321658"/>
+        <p14:creationId xmlns:p14="http://schemas.microsoft.com/office/powerpoint/2010/main" val="1105153522"/>
       </p:ext>
     </p:extLst>
   </p:cSld>
   <p:clrMapOvr>
     <a:masterClrMapping/>
   </p:clrMapOvr>
-  <p:transition spd="med"/>
+  <p:transition xmlns:p14="http://schemas.microsoft.com/office/powerpoint/2010/main" spd="med"/>
   <p:timing>
     <p:tnLst>
       <p:par>
-        <p:cTn id="1" dur="indefinite" restart="never" nodeType="tmRoot"/>
+        <p:cTn xmlns:p14="http://schemas.microsoft.com/office/powerpoint/2010/main" id="1" dur="indefinite" restart="never" nodeType="tmRoot"/>
       </p:par>
     </p:tnLst>
   </p:timing>
@@ -3228,69 +3060,105 @@
             <p:ph type="title"/>
           </p:nvPr>
         </p:nvSpPr>
-        <p:spPr/>
+        <p:spPr>
+          <a:xfrm>
+            <a:off x="4986990" y="254000"/>
+            <a:ext cx="3030821" cy="1603829"/>
+          </a:xfrm>
+        </p:spPr>
         <p:txBody>
           <a:bodyPr/>
           <a:lstStyle/>
           <a:p>
             <a:r>
               <a:rPr lang="en-US" dirty="0" smtClean="0"/>
-              <a:t>Other Important Stuff</a:t>
+              <a:t>Slides</a:t>
             </a:r>
             <a:endParaRPr lang="en-US" dirty="0"/>
           </a:p>
         </p:txBody>
       </p:sp>
+      <p:pic>
+        <p:nvPicPr>
+          <p:cNvPr id="4" name="Picture 3" descr="Screen Shot 2019-06-01 at 10.03.22 AM.png"/>
+          <p:cNvPicPr>
+            <a:picLocks noChangeAspect="1"/>
+          </p:cNvPicPr>
+          <p:nvPr/>
+        </p:nvPicPr>
+        <p:blipFill>
+          <a:blip r:embed="rId2">
+            <a:extLst>
+              <a:ext uri="{28A0092B-C50C-407E-A947-70E740481C1C}">
+                <a14:useLocalDpi xmlns:a14="http://schemas.microsoft.com/office/drawing/2010/main" val="0"/>
+              </a:ext>
+            </a:extLst>
+          </a:blip>
+          <a:stretch>
+            <a:fillRect/>
+          </a:stretch>
+        </p:blipFill>
+        <p:spPr>
+          <a:xfrm>
+            <a:off x="1128807" y="1415417"/>
+            <a:ext cx="10747186" cy="6716992"/>
+          </a:xfrm>
+          <a:prstGeom prst="rect">
+            <a:avLst/>
+          </a:prstGeom>
+        </p:spPr>
+      </p:pic>
       <p:sp>
         <p:nvSpPr>
-          <p:cNvPr id="3" name="Text Placeholder 2"/>
-          <p:cNvSpPr>
-            <a:spLocks noGrp="1"/>
-          </p:cNvSpPr>
-          <p:nvPr>
-            <p:ph type="body" idx="1"/>
-          </p:nvPr>
+          <p:cNvPr id="5" name="Rectangle 4"/>
+          <p:cNvSpPr/>
+          <p:nvPr/>
         </p:nvSpPr>
-        <p:spPr/>
+        <p:spPr>
+          <a:xfrm>
+            <a:off x="1472741" y="8420799"/>
+            <a:ext cx="10059319" cy="646331"/>
+          </a:xfrm>
+          <a:prstGeom prst="rect">
+            <a:avLst/>
+          </a:prstGeom>
+        </p:spPr>
         <p:txBody>
-          <a:bodyPr/>
+          <a:bodyPr wrap="square">
+            <a:spAutoFit/>
+          </a:bodyPr>
           <a:lstStyle/>
           <a:p>
             <a:r>
-              <a:rPr lang="en-US" dirty="0" smtClean="0"/>
-              <a:t>Coffee</a:t>
-            </a:r>
-          </a:p>
-          <a:p>
-            <a:r>
-              <a:rPr lang="en-US" dirty="0" smtClean="0"/>
-              <a:t>Lunch</a:t>
-            </a:r>
-          </a:p>
-          <a:p>
-            <a:r>
-              <a:rPr lang="en-US" dirty="0" smtClean="0"/>
-              <a:t>Supper</a:t>
-            </a:r>
-            <a:endParaRPr lang="en-US" dirty="0"/>
+              <a:rPr lang="en-US" dirty="0"/>
+              <a:t>https://</a:t>
+            </a:r>
+            <a:r>
+              <a:rPr lang="en-US" dirty="0" err="1"/>
+              <a:t>humanitiesprogramming.github.io</a:t>
+            </a:r>
+            <a:r>
+              <a:rPr lang="en-US" dirty="0"/>
+              <a:t>/resources/</a:t>
+            </a:r>
           </a:p>
         </p:txBody>
       </p:sp>
     </p:spTree>
     <p:extLst>
       <p:ext uri="{BB962C8B-B14F-4D97-AF65-F5344CB8AC3E}">
-        <p14:creationId xmlns:p14="http://schemas.microsoft.com/office/powerpoint/2010/main" val="2427087900"/>
+        <p14:creationId xmlns:p14="http://schemas.microsoft.com/office/powerpoint/2010/main" val="3105111897"/>
       </p:ext>
     </p:extLst>
   </p:cSld>
   <p:clrMapOvr>
     <a:masterClrMapping/>
   </p:clrMapOvr>
-  <p:transition spd="med"/>
+  <p:transition xmlns:p14="http://schemas.microsoft.com/office/powerpoint/2010/main" spd="med"/>
   <p:timing>
     <p:tnLst>
       <p:par>
-        <p:cTn id="1" dur="indefinite" restart="never" nodeType="tmRoot"/>
+        <p:cTn xmlns:p14="http://schemas.microsoft.com/office/powerpoint/2010/main" id="1" dur="indefinite" restart="never" nodeType="tmRoot"/>
       </p:par>
     </p:tnLst>
   </p:timing>
@@ -3341,13 +3209,26 @@
               </a:defRPr>
             </a:pPr>
             <a:r>
-              <a:rPr sz="7200" cap="all">
-                <a:solidFill>
-                  <a:srgbClr val="535353"/>
-                </a:solidFill>
-              </a:rPr>
-              <a:t>Introductions</a:t>
-            </a:r>
+              <a:rPr lang="en-US" sz="7200" cap="all" dirty="0" smtClean="0">
+                <a:solidFill>
+                  <a:srgbClr val="535353"/>
+                </a:solidFill>
+              </a:rPr>
+              <a:t>Note on </a:t>
+            </a:r>
+            <a:r>
+              <a:rPr lang="en-US" sz="7200" cap="all" dirty="0" err="1" smtClean="0">
+                <a:solidFill>
+                  <a:srgbClr val="535353"/>
+                </a:solidFill>
+              </a:rPr>
+              <a:t>Powerpoint</a:t>
+            </a:r>
+            <a:endParaRPr sz="7200" cap="all" dirty="0">
+              <a:solidFill>
+                <a:srgbClr val="535353"/>
+              </a:solidFill>
+            </a:endParaRPr>
           </a:p>
         </p:txBody>
       </p:sp>
@@ -3380,6 +3261,192 @@
               </a:defRPr>
             </a:pPr>
             <a:r>
+              <a:rPr lang="en-US" sz="4300" dirty="0" smtClean="0">
+                <a:solidFill>
+                  <a:schemeClr val="tx1"/>
+                </a:solidFill>
+              </a:rPr>
+              <a:t>Autocorrect is a nightmare for code</a:t>
+            </a:r>
+          </a:p>
+          <a:p>
+            <a:pPr lvl="0">
+              <a:defRPr sz="1800">
+                <a:solidFill>
+                  <a:srgbClr val="000000"/>
+                </a:solidFill>
+              </a:defRPr>
+            </a:pPr>
+            <a:r>
+              <a:rPr lang="en-US" sz="4300" dirty="0" smtClean="0">
+                <a:solidFill>
+                  <a:schemeClr val="tx1"/>
+                </a:solidFill>
+              </a:rPr>
+              <a:t>Be very wary of copying and pasting from the slide decks if you're following along.</a:t>
+            </a:r>
+          </a:p>
+          <a:p>
+            <a:pPr lvl="0">
+              <a:defRPr sz="1800">
+                <a:solidFill>
+                  <a:srgbClr val="000000"/>
+                </a:solidFill>
+              </a:defRPr>
+            </a:pPr>
+            <a:r>
+              <a:rPr lang="en-US" sz="4300" dirty="0" smtClean="0">
+                <a:solidFill>
+                  <a:schemeClr val="tx1"/>
+                </a:solidFill>
+              </a:rPr>
+              <a:t>And also the odd human error might pop in.</a:t>
+            </a:r>
+          </a:p>
+          <a:p>
+            <a:pPr lvl="0">
+              <a:defRPr sz="1800">
+                <a:solidFill>
+                  <a:srgbClr val="000000"/>
+                </a:solidFill>
+              </a:defRPr>
+            </a:pPr>
+            <a:r>
+              <a:rPr lang="en-US" sz="4300" dirty="0" smtClean="0">
+                <a:solidFill>
+                  <a:schemeClr val="tx1"/>
+                </a:solidFill>
+              </a:rPr>
+              <a:t>Everything will be fine </a:t>
+            </a:r>
+            <a:r>
+              <a:rPr lang="mr-IN" sz="4300" dirty="0" smtClean="0">
+                <a:solidFill>
+                  <a:schemeClr val="tx1"/>
+                </a:solidFill>
+              </a:rPr>
+              <a:t>–</a:t>
+            </a:r>
+            <a:r>
+              <a:rPr lang="en-US" sz="4300" dirty="0" smtClean="0">
+                <a:solidFill>
+                  <a:schemeClr val="tx1"/>
+                </a:solidFill>
+              </a:rPr>
+              <a:t> that's why we have post-its!</a:t>
+            </a:r>
+            <a:endParaRPr sz="4300" dirty="0">
+              <a:solidFill>
+                <a:schemeClr val="tx1"/>
+              </a:solidFill>
+            </a:endParaRPr>
+          </a:p>
+        </p:txBody>
+      </p:sp>
+    </p:spTree>
+    <p:extLst>
+      <p:ext uri="{BB962C8B-B14F-4D97-AF65-F5344CB8AC3E}">
+        <p14:creationId xmlns:p14="http://schemas.microsoft.com/office/powerpoint/2010/main" val="663160778"/>
+      </p:ext>
+    </p:extLst>
+  </p:cSld>
+  <p:clrMapOvr>
+    <a:masterClrMapping/>
+  </p:clrMapOvr>
+  <p:transition xmlns:p14="http://schemas.microsoft.com/office/powerpoint/2010/main" spd="med"/>
+  <p:timing>
+    <p:tnLst>
+      <p:par>
+        <p:cTn xmlns:p14="http://schemas.microsoft.com/office/powerpoint/2010/main" id="1" dur="indefinite" restart="never" nodeType="tmRoot"/>
+      </p:par>
+    </p:tnLst>
+  </p:timing>
+</p:sld>
+</file>
+
+<file path=ppt/slides/slide15.xml><?xml version="1.0" encoding="utf-8"?>
+<p:sld xmlns:a="http://schemas.openxmlformats.org/drawingml/2006/main" xmlns:r="http://schemas.openxmlformats.org/officeDocument/2006/relationships" xmlns:p="http://schemas.openxmlformats.org/presentationml/2006/main">
+  <p:cSld>
+    <p:spTree>
+      <p:nvGrpSpPr>
+        <p:cNvPr id="1" name=""/>
+        <p:cNvGrpSpPr/>
+        <p:nvPr/>
+      </p:nvGrpSpPr>
+      <p:grpSpPr>
+        <a:xfrm>
+          <a:off x="0" y="0"/>
+          <a:ext cx="0" cy="0"/>
+          <a:chOff x="0" y="0"/>
+          <a:chExt cx="0" cy="0"/>
+        </a:xfrm>
+      </p:grpSpPr>
+      <p:sp>
+        <p:nvSpPr>
+          <p:cNvPr id="53" name="Shape 53"/>
+          <p:cNvSpPr>
+            <a:spLocks noGrp="1"/>
+          </p:cNvSpPr>
+          <p:nvPr>
+            <p:ph type="title"/>
+          </p:nvPr>
+        </p:nvSpPr>
+        <p:spPr>
+          <a:prstGeom prst="rect">
+            <a:avLst/>
+          </a:prstGeom>
+        </p:spPr>
+        <p:txBody>
+          <a:bodyPr/>
+          <a:lstStyle/>
+          <a:p>
+            <a:pPr lvl="0">
+              <a:defRPr sz="1800" cap="none">
+                <a:solidFill>
+                  <a:srgbClr val="000000"/>
+                </a:solidFill>
+              </a:defRPr>
+            </a:pPr>
+            <a:r>
+              <a:rPr sz="7200" cap="all">
+                <a:solidFill>
+                  <a:srgbClr val="535353"/>
+                </a:solidFill>
+              </a:rPr>
+              <a:t>Introductions</a:t>
+            </a:r>
+          </a:p>
+        </p:txBody>
+      </p:sp>
+      <p:sp>
+        <p:nvSpPr>
+          <p:cNvPr id="54" name="Shape 54"/>
+          <p:cNvSpPr>
+            <a:spLocks noGrp="1"/>
+          </p:cNvSpPr>
+          <p:nvPr>
+            <p:ph type="body" idx="1"/>
+          </p:nvPr>
+        </p:nvSpPr>
+        <p:spPr>
+          <a:prstGeom prst="rect">
+            <a:avLst/>
+          </a:prstGeom>
+        </p:spPr>
+        <p:txBody>
+          <a:bodyPr>
+            <a:normAutofit/>
+          </a:bodyPr>
+          <a:lstStyle/>
+          <a:p>
+            <a:pPr lvl="0">
+              <a:defRPr sz="1800">
+                <a:solidFill>
+                  <a:srgbClr val="000000"/>
+                </a:solidFill>
+              </a:defRPr>
+            </a:pPr>
+            <a:r>
               <a:rPr sz="4300" dirty="0">
                 <a:solidFill>
                   <a:srgbClr val="535353"/>
@@ -3496,11 +3563,11 @@
   <p:clrMapOvr>
     <a:masterClrMapping/>
   </p:clrMapOvr>
-  <p:transition spd="med"/>
+  <p:transition xmlns:p14="http://schemas.microsoft.com/office/powerpoint/2010/main" spd="med"/>
   <p:timing>
     <p:tnLst>
       <p:par>
-        <p:cTn id="1" dur="indefinite" restart="never" nodeType="tmRoot"/>
+        <p:cTn xmlns:p14="http://schemas.microsoft.com/office/powerpoint/2010/main" id="1" dur="indefinite" restart="never" nodeType="tmRoot"/>
       </p:par>
     </p:tnLst>
   </p:timing>
@@ -3573,7 +3640,7 @@
           </a:ln>
           <a:extLst>
             <a:ext uri="{C572A759-6A51-4108-AA02-DFA0A04FC94B}">
-              <ma14:wrappingTextBoxFlag xmlns:ma14="http://schemas.microsoft.com/office/mac/drawingml/2011/main" xmlns="" val="1"/>
+              <ma14:wrappingTextBoxFlag xmlns:ma14="http://schemas.microsoft.com/office/mac/drawingml/2011/main" val="1"/>
             </a:ext>
           </a:extLst>
         </p:spPr>
@@ -3697,11 +3764,11 @@
   <p:clrMapOvr>
     <a:masterClrMapping/>
   </p:clrMapOvr>
-  <p:transition spd="med"/>
+  <p:transition xmlns:p14="http://schemas.microsoft.com/office/powerpoint/2010/main" spd="med"/>
   <p:timing>
     <p:tnLst>
       <p:par>
-        <p:cTn id="1" dur="indefinite" restart="never" nodeType="tmRoot"/>
+        <p:cTn xmlns:p14="http://schemas.microsoft.com/office/powerpoint/2010/main" id="1" dur="indefinite" restart="never" nodeType="tmRoot"/>
       </p:par>
     </p:tnLst>
   </p:timing>
@@ -3768,7 +3835,7 @@
           </a:ln>
           <a:extLst>
             <a:ext uri="{C572A759-6A51-4108-AA02-DFA0A04FC94B}">
-              <ma14:wrappingTextBoxFlag xmlns:ma14="http://schemas.microsoft.com/office/mac/drawingml/2011/main" xmlns="" val="1"/>
+              <ma14:wrappingTextBoxFlag xmlns:ma14="http://schemas.microsoft.com/office/mac/drawingml/2011/main" val="1"/>
             </a:ext>
           </a:extLst>
         </p:spPr>
@@ -3897,11 +3964,11 @@
   <p:clrMapOvr>
     <a:masterClrMapping/>
   </p:clrMapOvr>
-  <p:transition spd="med"/>
+  <p:transition xmlns:p14="http://schemas.microsoft.com/office/powerpoint/2010/main" spd="med"/>
   <p:timing>
     <p:tnLst>
       <p:par>
-        <p:cTn id="1" dur="indefinite" restart="never" nodeType="tmRoot"/>
+        <p:cTn xmlns:p14="http://schemas.microsoft.com/office/powerpoint/2010/main" id="1" dur="indefinite" restart="never" nodeType="tmRoot"/>
       </p:par>
     </p:tnLst>
   </p:timing>
@@ -3974,7 +4041,7 @@
           </a:ln>
           <a:extLst>
             <a:ext uri="{C572A759-6A51-4108-AA02-DFA0A04FC94B}">
-              <ma14:wrappingTextBoxFlag xmlns:ma14="http://schemas.microsoft.com/office/mac/drawingml/2011/main" xmlns="" val="1"/>
+              <ma14:wrappingTextBoxFlag xmlns:ma14="http://schemas.microsoft.com/office/mac/drawingml/2011/main" val="1"/>
             </a:ext>
           </a:extLst>
         </p:spPr>
@@ -4127,11 +4194,11 @@
   <p:clrMapOvr>
     <a:masterClrMapping/>
   </p:clrMapOvr>
-  <p:transition spd="med"/>
+  <p:transition xmlns:p14="http://schemas.microsoft.com/office/powerpoint/2010/main" spd="med"/>
   <p:timing>
     <p:tnLst>
       <p:par>
-        <p:cTn id="1" dur="indefinite" restart="never" nodeType="tmRoot"/>
+        <p:cTn xmlns:p14="http://schemas.microsoft.com/office/powerpoint/2010/main" id="1" dur="indefinite" restart="never" nodeType="tmRoot"/>
       </p:par>
     </p:tnLst>
   </p:timing>
@@ -4321,11 +4388,11 @@
   <p:clrMapOvr>
     <a:masterClrMapping/>
   </p:clrMapOvr>
-  <p:transition spd="med"/>
+  <p:transition xmlns:p14="http://schemas.microsoft.com/office/powerpoint/2010/main" spd="med"/>
   <p:timing>
     <p:tnLst>
       <p:par>
-        <p:cTn id="1" dur="indefinite" restart="never" nodeType="tmRoot"/>
+        <p:cTn xmlns:p14="http://schemas.microsoft.com/office/powerpoint/2010/main" id="1" dur="indefinite" restart="never" nodeType="tmRoot"/>
       </p:par>
     </p:tnLst>
   </p:timing>
@@ -4431,11 +4498,11 @@
   <p:clrMapOvr>
     <a:masterClrMapping/>
   </p:clrMapOvr>
-  <p:transition spd="med"/>
+  <p:transition xmlns:p14="http://schemas.microsoft.com/office/powerpoint/2010/main" spd="med"/>
   <p:timing>
     <p:tnLst>
       <p:par>
-        <p:cTn id="1" dur="indefinite" restart="never" nodeType="tmRoot"/>
+        <p:cTn xmlns:p14="http://schemas.microsoft.com/office/powerpoint/2010/main" id="1" dur="indefinite" restart="never" nodeType="tmRoot"/>
       </p:par>
     </p:tnLst>
   </p:timing>
@@ -4613,11 +4680,11 @@
   <p:clrMapOvr>
     <a:masterClrMapping/>
   </p:clrMapOvr>
-  <p:transition spd="med"/>
+  <p:transition xmlns:p14="http://schemas.microsoft.com/office/powerpoint/2010/main" spd="med"/>
   <p:timing>
     <p:tnLst>
       <p:par>
-        <p:cTn id="1" dur="indefinite" restart="never" nodeType="tmRoot"/>
+        <p:cTn xmlns:p14="http://schemas.microsoft.com/office/powerpoint/2010/main" id="1" dur="indefinite" restart="never" nodeType="tmRoot"/>
       </p:par>
     </p:tnLst>
   </p:timing>
@@ -4643,7 +4710,7 @@
       </p:grpSpPr>
       <p:sp>
         <p:nvSpPr>
-          <p:cNvPr id="2" name="Title 1"/>
+          <p:cNvPr id="50" name="Shape 50"/>
           <p:cNvSpPr>
             <a:spLocks noGrp="1"/>
           </p:cNvSpPr>
@@ -4651,22 +4718,36 @@
             <p:ph type="title"/>
           </p:nvPr>
         </p:nvSpPr>
-        <p:spPr/>
+        <p:spPr>
+          <a:prstGeom prst="rect">
+            <a:avLst/>
+          </a:prstGeom>
+        </p:spPr>
         <p:txBody>
           <a:bodyPr/>
           <a:lstStyle/>
           <a:p>
-            <a:r>
-              <a:rPr lang="en-US" dirty="0" smtClean="0"/>
-              <a:t>No Seriously…</a:t>
-            </a:r>
-            <a:endParaRPr lang="en-US" dirty="0"/>
+            <a:pPr lvl="0">
+              <a:defRPr sz="1800" cap="none">
+                <a:solidFill>
+                  <a:srgbClr val="000000"/>
+                </a:solidFill>
+              </a:defRPr>
+            </a:pPr>
+            <a:r>
+              <a:rPr sz="7200" cap="all">
+                <a:solidFill>
+                  <a:srgbClr val="535353"/>
+                </a:solidFill>
+              </a:rPr>
+              <a:t>Ground Rules</a:t>
+            </a:r>
           </a:p>
         </p:txBody>
       </p:sp>
       <p:sp>
         <p:nvSpPr>
-          <p:cNvPr id="3" name="Text Placeholder 2"/>
+          <p:cNvPr id="51" name="Shape 51"/>
           <p:cNvSpPr>
             <a:spLocks noGrp="1"/>
           </p:cNvSpPr>
@@ -4674,66 +4755,106 @@
             <p:ph type="body" idx="1"/>
           </p:nvPr>
         </p:nvSpPr>
-        <p:spPr/>
+        <p:spPr>
+          <a:prstGeom prst="rect">
+            <a:avLst/>
+          </a:prstGeom>
+        </p:spPr>
         <p:txBody>
           <a:bodyPr/>
           <a:lstStyle/>
           <a:p>
-            <a:r>
-              <a:rPr lang="en-US" dirty="0" smtClean="0"/>
-              <a:t>Take a walk</a:t>
-            </a:r>
-          </a:p>
-          <a:p>
-            <a:r>
-              <a:rPr lang="en-US" dirty="0" smtClean="0"/>
-              <a:t>Browse </a:t>
-            </a:r>
-            <a:r>
-              <a:rPr lang="en-US" dirty="0" err="1" smtClean="0"/>
-              <a:t>reddit</a:t>
-            </a:r>
-            <a:r>
-              <a:rPr lang="en-US" dirty="0"/>
-              <a:t> </a:t>
-            </a:r>
-            <a:r>
-              <a:rPr lang="en-US" dirty="0" smtClean="0"/>
-              <a:t>(/r/</a:t>
-            </a:r>
-            <a:r>
-              <a:rPr lang="en-US" dirty="0" err="1" smtClean="0"/>
-              <a:t>aww</a:t>
-            </a:r>
-            <a:r>
-              <a:rPr lang="en-US" dirty="0" smtClean="0"/>
-              <a:t>)</a:t>
-            </a:r>
-          </a:p>
-          <a:p>
-            <a:r>
-              <a:rPr lang="en-US" dirty="0" smtClean="0"/>
-              <a:t>Play a game…Brandon loves icebreakers</a:t>
-            </a:r>
-            <a:endParaRPr lang="en-US" dirty="0"/>
+            <a:pPr lvl="0">
+              <a:defRPr sz="1800">
+                <a:solidFill>
+                  <a:srgbClr val="000000"/>
+                </a:solidFill>
+              </a:defRPr>
+            </a:pPr>
+            <a:r>
+              <a:rPr sz="4600" dirty="0">
+                <a:solidFill>
+                  <a:srgbClr val="535353"/>
+                </a:solidFill>
+              </a:rPr>
+              <a:t>Asking questions is a “super power”</a:t>
+            </a:r>
+          </a:p>
+          <a:p>
+            <a:pPr lvl="0">
+              <a:defRPr sz="1800">
+                <a:solidFill>
+                  <a:srgbClr val="000000"/>
+                </a:solidFill>
+              </a:defRPr>
+            </a:pPr>
+            <a:r>
+              <a:rPr sz="4600" dirty="0">
+                <a:solidFill>
+                  <a:srgbClr val="535353"/>
+                </a:solidFill>
+              </a:rPr>
+              <a:t>If you need a mental (or other break), take one</a:t>
+            </a:r>
+          </a:p>
+          <a:p>
+            <a:pPr lvl="0">
+              <a:defRPr sz="1800">
+                <a:solidFill>
+                  <a:srgbClr val="000000"/>
+                </a:solidFill>
+              </a:defRPr>
+            </a:pPr>
+            <a:r>
+              <a:rPr lang="en-US" sz="4600" dirty="0" smtClean="0">
+                <a:solidFill>
+                  <a:srgbClr val="535353"/>
+                </a:solidFill>
+              </a:rPr>
+              <a:t>Writing software </a:t>
+            </a:r>
+            <a:r>
+              <a:rPr sz="4600" dirty="0" smtClean="0">
+                <a:solidFill>
+                  <a:srgbClr val="535353"/>
+                </a:solidFill>
+              </a:rPr>
+              <a:t>is </a:t>
+            </a:r>
+            <a:r>
+              <a:rPr sz="4600" dirty="0">
+                <a:solidFill>
+                  <a:srgbClr val="535353"/>
+                </a:solidFill>
+              </a:rPr>
+              <a:t>a </a:t>
+            </a:r>
+            <a:r>
+              <a:rPr lang="en-US" sz="4600" dirty="0" smtClean="0">
+                <a:solidFill>
+                  <a:srgbClr val="535353"/>
+                </a:solidFill>
+              </a:rPr>
+              <a:t>collaborative endeavor</a:t>
+            </a:r>
+            <a:endParaRPr sz="4600" dirty="0">
+              <a:solidFill>
+                <a:srgbClr val="535353"/>
+              </a:solidFill>
+            </a:endParaRPr>
           </a:p>
         </p:txBody>
       </p:sp>
     </p:spTree>
-    <p:extLst>
-      <p:ext uri="{BB962C8B-B14F-4D97-AF65-F5344CB8AC3E}">
-        <p14:creationId xmlns:p14="http://schemas.microsoft.com/office/powerpoint/2010/main" val="747440101"/>
-      </p:ext>
-    </p:extLst>
   </p:cSld>
   <p:clrMapOvr>
     <a:masterClrMapping/>
   </p:clrMapOvr>
-  <p:transition spd="med"/>
+  <p:transition xmlns:p14="http://schemas.microsoft.com/office/powerpoint/2010/main" spd="med"/>
   <p:timing>
     <p:tnLst>
       <p:par>
-        <p:cTn id="1" dur="indefinite" restart="never" nodeType="tmRoot"/>
+        <p:cTn xmlns:p14="http://schemas.microsoft.com/office/powerpoint/2010/main" id="1" dur="indefinite" restart="never" nodeType="tmRoot"/>
       </p:par>
     </p:tnLst>
   </p:timing>
@@ -4784,13 +4905,18 @@
               </a:defRPr>
             </a:pPr>
             <a:r>
-              <a:rPr sz="7200" cap="all">
-                <a:solidFill>
-                  <a:srgbClr val="535353"/>
-                </a:solidFill>
-              </a:rPr>
-              <a:t>Ground Rules</a:t>
-            </a:r>
+              <a:rPr lang="en-US" sz="7200" cap="all" dirty="0" smtClean="0">
+                <a:solidFill>
+                  <a:srgbClr val="535353"/>
+                </a:solidFill>
+              </a:rPr>
+              <a:t>Post-it Notes</a:t>
+            </a:r>
+            <a:endParaRPr sz="7200" cap="all" dirty="0">
+              <a:solidFill>
+                <a:srgbClr val="535353"/>
+              </a:solidFill>
+            </a:endParaRPr>
           </a:p>
         </p:txBody>
       </p:sp>
@@ -4810,10 +4936,15 @@
           </a:prstGeom>
         </p:spPr>
         <p:txBody>
-          <a:bodyPr/>
+          <a:bodyPr>
+            <a:noAutofit/>
+          </a:bodyPr>
           <a:lstStyle/>
           <a:p>
             <a:pPr lvl="0">
+              <a:lnSpc>
+                <a:spcPct val="90000"/>
+              </a:lnSpc>
               <a:defRPr sz="1800">
                 <a:solidFill>
                   <a:srgbClr val="000000"/>
@@ -4821,16 +4952,28 @@
               </a:defRPr>
             </a:pPr>
             <a:r>
-              <a:rPr sz="4600" dirty="0">
-                <a:solidFill>
-                  <a:srgbClr val="535353"/>
-                </a:solidFill>
-              </a:rPr>
-              <a:t>Asking questions is a “super power”</a:t>
-            </a:r>
+              <a:rPr lang="en-US" sz="3600" dirty="0" smtClean="0">
+                <a:solidFill>
+                  <a:schemeClr val="tx1">
+                    <a:lumMod val="50000"/>
+                  </a:schemeClr>
+                </a:solidFill>
+              </a:rPr>
+              <a:t>All have three colors: Green, Red, White</a:t>
+            </a:r>
+            <a:endParaRPr sz="3600" dirty="0">
+              <a:solidFill>
+                <a:schemeClr val="tx1">
+                  <a:lumMod val="50000"/>
+                </a:schemeClr>
+              </a:solidFill>
+            </a:endParaRPr>
           </a:p>
           <a:p>
             <a:pPr lvl="0">
+              <a:lnSpc>
+                <a:spcPct val="90000"/>
+              </a:lnSpc>
               <a:defRPr sz="1800">
                 <a:solidFill>
                   <a:srgbClr val="000000"/>
@@ -4838,16 +4981,21 @@
               </a:defRPr>
             </a:pPr>
             <a:r>
-              <a:rPr sz="4600" dirty="0">
-                <a:solidFill>
-                  <a:srgbClr val="535353"/>
-                </a:solidFill>
-              </a:rPr>
-              <a:t>If you need a mental (or other break), take one</a:t>
+              <a:rPr lang="en-US" sz="3600" dirty="0" smtClean="0">
+                <a:solidFill>
+                  <a:schemeClr val="tx1">
+                    <a:lumMod val="50000"/>
+                  </a:schemeClr>
+                </a:solidFill>
+              </a:rPr>
+              <a:t>Green: things are good</a:t>
             </a:r>
           </a:p>
           <a:p>
             <a:pPr lvl="0">
+              <a:lnSpc>
+                <a:spcPct val="90000"/>
+              </a:lnSpc>
               <a:defRPr sz="1800">
                 <a:solidFill>
                   <a:srgbClr val="000000"/>
@@ -4855,55 +5003,123 @@
               </a:defRPr>
             </a:pPr>
             <a:r>
-              <a:rPr lang="en-US" sz="4600" dirty="0" smtClean="0">
-                <a:solidFill>
-                  <a:srgbClr val="535353"/>
-                </a:solidFill>
-              </a:rPr>
-              <a:t>Writing software </a:t>
-            </a:r>
-            <a:r>
-              <a:rPr sz="4600" dirty="0" smtClean="0">
-                <a:solidFill>
-                  <a:srgbClr val="535353"/>
-                </a:solidFill>
-              </a:rPr>
-              <a:t>is </a:t>
-            </a:r>
-            <a:r>
-              <a:rPr sz="4600" dirty="0">
-                <a:solidFill>
-                  <a:srgbClr val="535353"/>
-                </a:solidFill>
-              </a:rPr>
-              <a:t>a </a:t>
-            </a:r>
-            <a:r>
-              <a:rPr lang="en-US" sz="4600" dirty="0" smtClean="0">
-                <a:solidFill>
-                  <a:srgbClr val="535353"/>
-                </a:solidFill>
-              </a:rPr>
-              <a:t>collaborative endeavor</a:t>
-            </a:r>
-            <a:endParaRPr sz="4600" dirty="0">
+              <a:rPr lang="en-US" sz="3600" dirty="0" smtClean="0">
+                <a:solidFill>
+                  <a:schemeClr val="tx1">
+                    <a:lumMod val="50000"/>
+                  </a:schemeClr>
+                </a:solidFill>
+              </a:rPr>
+              <a:t>Red: need help</a:t>
+            </a:r>
+          </a:p>
+          <a:p>
+            <a:pPr lvl="0">
+              <a:lnSpc>
+                <a:spcPct val="90000"/>
+              </a:lnSpc>
+              <a:defRPr sz="1800">
+                <a:solidFill>
+                  <a:srgbClr val="000000"/>
+                </a:solidFill>
+              </a:defRPr>
+            </a:pPr>
+            <a:r>
+              <a:rPr lang="en-US" sz="3600" dirty="0" smtClean="0">
+                <a:solidFill>
+                  <a:schemeClr val="tx1">
+                    <a:lumMod val="50000"/>
+                  </a:schemeClr>
+                </a:solidFill>
+              </a:rPr>
+              <a:t>White: Done</a:t>
+            </a:r>
+          </a:p>
+          <a:p>
+            <a:pPr lvl="0">
+              <a:lnSpc>
+                <a:spcPct val="90000"/>
+              </a:lnSpc>
+              <a:defRPr sz="1800">
+                <a:solidFill>
+                  <a:srgbClr val="000000"/>
+                </a:solidFill>
+              </a:defRPr>
+            </a:pPr>
+            <a:r>
+              <a:rPr lang="en-US" sz="3600" dirty="0" smtClean="0">
+                <a:solidFill>
+                  <a:schemeClr val="tx1">
+                    <a:lumMod val="50000"/>
+                  </a:schemeClr>
+                </a:solidFill>
+              </a:rPr>
+              <a:t>Green and (especially) white offer help to red</a:t>
+            </a:r>
+            <a:endParaRPr sz="3600" dirty="0">
               <a:solidFill>
-                <a:srgbClr val="535353"/>
+                <a:schemeClr val="tx1">
+                  <a:lumMod val="50000"/>
+                </a:schemeClr>
+              </a:solidFill>
+            </a:endParaRPr>
+          </a:p>
+          <a:p>
+            <a:pPr lvl="0">
+              <a:lnSpc>
+                <a:spcPct val="90000"/>
+              </a:lnSpc>
+              <a:defRPr sz="1800">
+                <a:solidFill>
+                  <a:srgbClr val="000000"/>
+                </a:solidFill>
+              </a:defRPr>
+            </a:pPr>
+            <a:r>
+              <a:rPr lang="en-US" sz="3600" dirty="0" smtClean="0">
+                <a:solidFill>
+                  <a:schemeClr val="tx1">
+                    <a:lumMod val="50000"/>
+                  </a:schemeClr>
+                </a:solidFill>
+              </a:rPr>
+              <a:t>Credit to Miriam Posner and Deb </a:t>
+            </a:r>
+            <a:r>
+              <a:rPr lang="en-US" sz="3600" dirty="0" err="1" smtClean="0">
+                <a:solidFill>
+                  <a:schemeClr val="tx1">
+                    <a:lumMod val="50000"/>
+                  </a:schemeClr>
+                </a:solidFill>
+              </a:rPr>
+              <a:t>Verhoeven</a:t>
+            </a:r>
+            <a:endParaRPr sz="3600" dirty="0">
+              <a:solidFill>
+                <a:schemeClr val="tx1">
+                  <a:lumMod val="50000"/>
+                </a:schemeClr>
               </a:solidFill>
             </a:endParaRPr>
           </a:p>
         </p:txBody>
       </p:sp>
     </p:spTree>
+    <p:extLst>
+      <p:ext uri="{BB962C8B-B14F-4D97-AF65-F5344CB8AC3E}">
+        <p14:creationId xmlns:p14="http://schemas.microsoft.com/office/powerpoint/2010/main" val="3725044201"/>
+      </p:ext>
+    </p:extLst>
   </p:cSld>
   <p:clrMapOvr>
     <a:masterClrMapping/>
   </p:clrMapOvr>
-  <p:transition spd="med"/>
+  <p:transition xmlns:p14="http://schemas.microsoft.com/office/powerpoint/2010/main" spd="med"/>
   <p:timing>
     <p:tnLst>
       <p:par>
-        <p:cTn id="1" dur="indefinite" restart="never" nodeType="tmRoot"/>
+        <p:cTn xmlns:p14="http://schemas.microsoft.com/office/powerpoint/2010/main" id="1" dur="indefinite" restart="never" nodeType="tmRoot"/>
       </p:par>
     </p:tnLst>
   </p:timing>
